--- a/alimentador inteligente para gatos.pptx
+++ b/alimentador inteligente para gatos.pptx
@@ -7994,8 +7994,8 @@
               <a:buChar char="•"/>
             </a:pPr>
             <a:r>
-              <a:rPr lang="pt-BR" dirty="0"/>
-              <a:t> Laura </a:t>
+              <a:rPr lang="pt-BR" smtClean="0"/>
+              <a:t>Laura </a:t>
             </a:r>
             <a:r>
               <a:rPr lang="pt-BR" dirty="0" err="1"/>
